--- a/week08/inheritance.pptx
+++ b/week08/inheritance.pptx
@@ -7,7 +7,7 @@
     <p:sldMasterId id="2147483731" r:id="rId3"/>
   </p:sldMasterIdLst>
   <p:notesMasterIdLst>
-    <p:notesMasterId r:id="rId16"/>
+    <p:notesMasterId r:id="rId17"/>
   </p:notesMasterIdLst>
   <p:sldIdLst>
     <p:sldId id="285" r:id="rId4"/>
@@ -22,20 +22,21 @@
     <p:sldId id="372" r:id="rId13"/>
     <p:sldId id="373" r:id="rId14"/>
     <p:sldId id="374" r:id="rId15"/>
+    <p:sldId id="375" r:id="rId16"/>
   </p:sldIdLst>
   <p:sldSz cx="16256000" cy="9144000"/>
   <p:notesSz cx="6858000" cy="9144000"/>
   <p:embeddedFontLst>
     <p:embeddedFont>
       <p:font typeface="Wingdings 2" panose="05020102010507070707" pitchFamily="18" charset="2"/>
-      <p:regular r:id="rId17"/>
+      <p:regular r:id="rId18"/>
     </p:embeddedFont>
     <p:embeddedFont>
       <p:font typeface="Cabin" panose="020B0604020202020204" charset="0"/>
-      <p:regular r:id="rId18"/>
-      <p:bold r:id="rId19"/>
-      <p:italic r:id="rId20"/>
-      <p:boldItalic r:id="rId21"/>
+      <p:regular r:id="rId19"/>
+      <p:bold r:id="rId20"/>
+      <p:italic r:id="rId21"/>
+      <p:boldItalic r:id="rId22"/>
     </p:embeddedFont>
   </p:embeddedFontLst>
   <p:defaultTextStyle>
@@ -242,7 +243,7 @@
   </p:defaultTextStyle>
   <p:extLst>
     <p:ext uri="{EFAFB233-063F-42B5-8137-9DF3F51BA10A}">
-      <p15:sldGuideLst xmlns:p15="http://schemas.microsoft.com/office/powerpoint/2012/main">
+      <p15:sldGuideLst xmlns:p15="http://schemas.microsoft.com/office/powerpoint/2012/main" xmlns="">
         <p15:guide id="1" orient="horz" pos="2880">
           <p15:clr>
             <a:srgbClr val="A4A3A4"/>
@@ -630,6 +631,116 @@
     <p:extLst>
       <p:ext uri="{BB962C8B-B14F-4D97-AF65-F5344CB8AC3E}">
         <p14:creationId xmlns:p14="http://schemas.microsoft.com/office/powerpoint/2010/main" val="2103242294"/>
+      </p:ext>
+    </p:extLst>
+  </p:cSld>
+  <p:clrMapOvr>
+    <a:masterClrMapping/>
+  </p:clrMapOvr>
+</p:notes>
+</file>
+
+<file path=ppt/notesSlides/notesSlide10.xml><?xml version="1.0" encoding="utf-8"?>
+<p:notes xmlns:a="http://schemas.openxmlformats.org/drawingml/2006/main" xmlns:r="http://schemas.openxmlformats.org/officeDocument/2006/relationships" xmlns:p="http://schemas.openxmlformats.org/presentationml/2006/main" showMasterSp="0" showMasterPhAnim="0">
+  <p:cSld>
+    <p:spTree>
+      <p:nvGrpSpPr>
+        <p:cNvPr id="1" name="Shape 209"/>
+        <p:cNvGrpSpPr/>
+        <p:nvPr/>
+      </p:nvGrpSpPr>
+      <p:grpSpPr>
+        <a:xfrm>
+          <a:off x="0" y="0"/>
+          <a:ext cx="0" cy="0"/>
+          <a:chOff x="0" y="0"/>
+          <a:chExt cx="0" cy="0"/>
+        </a:xfrm>
+      </p:grpSpPr>
+      <p:sp>
+        <p:nvSpPr>
+          <p:cNvPr id="210" name="Shape 210"/>
+          <p:cNvSpPr txBox="1">
+            <a:spLocks noGrp="1"/>
+          </p:cNvSpPr>
+          <p:nvPr>
+            <p:ph type="body" idx="1"/>
+          </p:nvPr>
+        </p:nvSpPr>
+        <p:spPr>
+          <a:xfrm>
+            <a:off x="685800" y="4343400"/>
+            <a:ext cx="5486399" cy="4114800"/>
+          </a:xfrm>
+          <a:prstGeom prst="rect">
+            <a:avLst/>
+          </a:prstGeom>
+          <a:noFill/>
+          <a:ln>
+            <a:noFill/>
+          </a:ln>
+        </p:spPr>
+        <p:txBody>
+          <a:bodyPr lIns="91425" tIns="91425" rIns="91425" bIns="91425" anchor="ctr" anchorCtr="0">
+            <a:noAutofit/>
+          </a:bodyPr>
+          <a:lstStyle/>
+          <a:p>
+            <a:pPr lvl="0">
+              <a:spcBef>
+                <a:spcPts val="0"/>
+              </a:spcBef>
+              <a:buNone/>
+            </a:pPr>
+            <a:endParaRPr/>
+          </a:p>
+        </p:txBody>
+      </p:sp>
+      <p:sp>
+        <p:nvSpPr>
+          <p:cNvPr id="211" name="Shape 211"/>
+          <p:cNvSpPr>
+            <a:spLocks noGrp="1" noRot="1" noChangeAspect="1"/>
+          </p:cNvSpPr>
+          <p:nvPr>
+            <p:ph type="sldImg" idx="2"/>
+          </p:nvPr>
+        </p:nvSpPr>
+        <p:spPr>
+          <a:xfrm>
+            <a:off x="381000" y="685800"/>
+            <a:ext cx="6096000" cy="3429000"/>
+          </a:xfrm>
+          <a:custGeom>
+            <a:avLst/>
+            <a:gdLst/>
+            <a:ahLst/>
+            <a:cxnLst/>
+            <a:rect l="0" t="0" r="0" b="0"/>
+            <a:pathLst>
+              <a:path w="120000" h="120000" extrusionOk="0">
+                <a:moveTo>
+                  <a:pt x="0" y="0"/>
+                </a:moveTo>
+                <a:lnTo>
+                  <a:pt x="120000" y="0"/>
+                </a:lnTo>
+                <a:lnTo>
+                  <a:pt x="120000" y="120000"/>
+                </a:lnTo>
+                <a:lnTo>
+                  <a:pt x="0" y="120000"/>
+                </a:lnTo>
+                <a:close/>
+              </a:path>
+            </a:pathLst>
+          </a:custGeom>
+        </p:spPr>
+      </p:sp>
+    </p:spTree>
+    <p:extLst>
+      <p:ext uri="{BB962C8B-B14F-4D97-AF65-F5344CB8AC3E}">
+        <p14:creationId xmlns:p14="http://schemas.microsoft.com/office/powerpoint/2010/main" val="2369185272"/>
       </p:ext>
     </p:extLst>
   </p:cSld>
@@ -12396,15 +12507,7 @@
                   <a:schemeClr val="tx1"/>
                 </a:solidFill>
               </a:rPr>
-              <a:t>Лекция </a:t>
-            </a:r>
-            <a:r>
-              <a:rPr lang="ru-RU" sz="3200" dirty="0" smtClean="0">
-                <a:solidFill>
-                  <a:schemeClr val="tx1"/>
-                </a:solidFill>
-              </a:rPr>
-              <a:t>1</a:t>
+              <a:t>Лекция 1</a:t>
             </a:r>
             <a:r>
               <a:rPr lang="en-US" sz="3200" dirty="0" smtClean="0">
@@ -12430,11 +12533,6 @@
               </a:rPr>
               <a:t>Наследование</a:t>
             </a:r>
-            <a:endParaRPr lang="ru-RU" sz="3200" dirty="0" smtClean="0">
-              <a:solidFill>
-                <a:schemeClr val="tx1"/>
-              </a:solidFill>
-            </a:endParaRPr>
           </a:p>
         </p:txBody>
       </p:sp>
@@ -13005,13 +13103,6 @@
               </a:rPr>
               <a:t>:</a:t>
             </a:r>
-            <a:endParaRPr lang="en-US" sz="3200" b="1" dirty="0" smtClean="0">
-              <a:solidFill>
-                <a:schemeClr val="tx2"/>
-              </a:solidFill>
-              <a:latin typeface="Courier New" pitchFamily="49" charset="0"/>
-              <a:cs typeface="Courier New" pitchFamily="49" charset="0"/>
-            </a:endParaRPr>
           </a:p>
           <a:p>
             <a:pPr marL="82296" indent="0">
@@ -13730,13 +13821,6 @@
               </a:rPr>
               <a:t>:</a:t>
             </a:r>
-            <a:endParaRPr lang="en-US" sz="3200" b="1" dirty="0" smtClean="0">
-              <a:solidFill>
-                <a:schemeClr val="tx2"/>
-              </a:solidFill>
-              <a:latin typeface="Courier New" pitchFamily="49" charset="0"/>
-              <a:cs typeface="Courier New" pitchFamily="49" charset="0"/>
-            </a:endParaRPr>
           </a:p>
           <a:p>
             <a:pPr marL="82296" indent="0">
@@ -13809,10 +13893,6 @@
               </a:rPr>
               <a:t>):</a:t>
             </a:r>
-            <a:endParaRPr lang="en-US" sz="3200" b="1" dirty="0" smtClean="0">
-              <a:latin typeface="Courier New" pitchFamily="49" charset="0"/>
-              <a:cs typeface="Courier New" pitchFamily="49" charset="0"/>
-            </a:endParaRPr>
           </a:p>
           <a:p>
             <a:pPr marL="82296" indent="0">
@@ -16624,6 +16704,363 @@
 </p:sld>
 </file>
 
+<file path=ppt/slides/slide13.xml><?xml version="1.0" encoding="utf-8"?>
+<p:sld xmlns:a="http://schemas.openxmlformats.org/drawingml/2006/main" xmlns:r="http://schemas.openxmlformats.org/officeDocument/2006/relationships" xmlns:p="http://schemas.openxmlformats.org/presentationml/2006/main">
+  <p:cSld>
+    <p:bg>
+      <p:bgPr>
+        <a:solidFill>
+          <a:schemeClr val="bg1"/>
+        </a:solidFill>
+        <a:effectLst/>
+      </p:bgPr>
+    </p:bg>
+    <p:spTree>
+      <p:nvGrpSpPr>
+        <p:cNvPr id="1" name="Shape 212"/>
+        <p:cNvGrpSpPr/>
+        <p:nvPr/>
+      </p:nvGrpSpPr>
+      <p:grpSpPr>
+        <a:xfrm>
+          <a:off x="0" y="0"/>
+          <a:ext cx="0" cy="0"/>
+          <a:chOff x="0" y="0"/>
+          <a:chExt cx="0" cy="0"/>
+        </a:xfrm>
+      </p:grpSpPr>
+      <p:sp>
+        <p:nvSpPr>
+          <p:cNvPr id="213" name="Shape 213"/>
+          <p:cNvSpPr txBox="1">
+            <a:spLocks noGrp="1"/>
+          </p:cNvSpPr>
+          <p:nvPr>
+            <p:ph type="title"/>
+          </p:nvPr>
+        </p:nvSpPr>
+        <p:spPr>
+          <a:xfrm>
+            <a:off x="235974" y="0"/>
+            <a:ext cx="16020026" cy="2286000"/>
+          </a:xfrm>
+          <a:prstGeom prst="rect">
+            <a:avLst/>
+          </a:prstGeom>
+          <a:noFill/>
+          <a:ln>
+            <a:noFill/>
+          </a:ln>
+        </p:spPr>
+        <p:txBody>
+          <a:bodyPr lIns="50800" tIns="50800" rIns="50800" bIns="50800" anchor="ctr" anchorCtr="0">
+            <a:noAutofit/>
+          </a:bodyPr>
+          <a:lstStyle/>
+          <a:p>
+            <a:pPr lvl="0">
+              <a:buClr>
+                <a:srgbClr val="00FF00"/>
+              </a:buClr>
+              <a:buSzPct val="25000"/>
+            </a:pPr>
+            <a:r>
+              <a:rPr lang="ru-RU" sz="7800" dirty="0">
+                <a:solidFill>
+                  <a:srgbClr val="00FF00"/>
+                </a:solidFill>
+                <a:latin typeface="Cabin"/>
+                <a:ea typeface="Cabin"/>
+                <a:cs typeface="Cabin"/>
+                <a:sym typeface="Cabin"/>
+              </a:rPr>
+              <a:t>Абстрактные базовые классы </a:t>
+            </a:r>
+            <a:endParaRPr lang="en-US" sz="7800" dirty="0">
+              <a:solidFill>
+                <a:srgbClr val="00FF00"/>
+              </a:solidFill>
+              <a:latin typeface="Cabin"/>
+              <a:ea typeface="Cabin"/>
+              <a:cs typeface="Cabin"/>
+              <a:sym typeface="Cabin"/>
+            </a:endParaRPr>
+          </a:p>
+        </p:txBody>
+      </p:sp>
+      <p:sp>
+        <p:nvSpPr>
+          <p:cNvPr id="2" name="Rectangle 1"/>
+          <p:cNvSpPr/>
+          <p:nvPr/>
+        </p:nvSpPr>
+        <p:spPr>
+          <a:xfrm>
+            <a:off x="844550" y="5161893"/>
+            <a:ext cx="14357350" cy="3046988"/>
+          </a:xfrm>
+          <a:prstGeom prst="rect">
+            <a:avLst/>
+          </a:prstGeom>
+        </p:spPr>
+        <p:txBody>
+          <a:bodyPr wrap="square">
+            <a:spAutoFit/>
+          </a:bodyPr>
+          <a:lstStyle/>
+          <a:p>
+            <a:r>
+              <a:rPr lang="ru-RU" sz="3200" dirty="0"/>
+              <a:t>Модуль </a:t>
+            </a:r>
+            <a:r>
+              <a:rPr lang="ru-RU" sz="3200" dirty="0" err="1"/>
+              <a:t>abc</a:t>
+            </a:r>
+            <a:r>
+              <a:rPr lang="ru-RU" sz="3200" dirty="0"/>
+              <a:t> содержит </a:t>
+            </a:r>
+            <a:r>
+              <a:rPr lang="ru-RU" sz="3200" dirty="0" err="1"/>
+              <a:t>метакласс</a:t>
+            </a:r>
+            <a:r>
+              <a:rPr lang="ru-RU" sz="3200" dirty="0"/>
+              <a:t> (</a:t>
+            </a:r>
+            <a:r>
+              <a:rPr lang="ru-RU" sz="3200" dirty="0" err="1"/>
+              <a:t>ABCMeta</a:t>
+            </a:r>
+            <a:r>
+              <a:rPr lang="ru-RU" sz="3200" dirty="0"/>
+              <a:t>) и декораторы (@</a:t>
+            </a:r>
+            <a:r>
+              <a:rPr lang="ru-RU" sz="3200" dirty="0" err="1"/>
+              <a:t>abstractmethod</a:t>
+            </a:r>
+            <a:r>
+              <a:rPr lang="ru-RU" sz="3200" dirty="0"/>
+              <a:t> и @</a:t>
+            </a:r>
+            <a:r>
+              <a:rPr lang="ru-RU" sz="3200" dirty="0" err="1"/>
+              <a:t>abstractproperty</a:t>
+            </a:r>
+            <a:r>
+              <a:rPr lang="ru-RU" sz="3200" dirty="0"/>
+              <a:t>). </a:t>
+            </a:r>
+            <a:endParaRPr lang="en-US" sz="3200" dirty="0" smtClean="0"/>
+          </a:p>
+          <a:p>
+            <a:endParaRPr lang="en-US" sz="3200" dirty="0"/>
+          </a:p>
+          <a:p>
+            <a:r>
+              <a:rPr lang="ru-RU" sz="3200" dirty="0" smtClean="0"/>
+              <a:t>Если </a:t>
+            </a:r>
+            <a:r>
+              <a:rPr lang="ru-RU" sz="3200" dirty="0"/>
+              <a:t>класс имеет декоратор @</a:t>
+            </a:r>
+            <a:r>
+              <a:rPr lang="ru-RU" sz="3200" dirty="0" err="1"/>
+              <a:t>abstractmethod</a:t>
+            </a:r>
+            <a:r>
+              <a:rPr lang="ru-RU" sz="3200" dirty="0"/>
+              <a:t> или @</a:t>
+            </a:r>
+            <a:r>
+              <a:rPr lang="ru-RU" sz="3200" dirty="0" err="1"/>
+              <a:t>abstractproperty</a:t>
+            </a:r>
+            <a:r>
+              <a:rPr lang="ru-RU" sz="3200" dirty="0"/>
+              <a:t>, значит он является абстрактным базовым классом и его необходимо переопределить в классе-наследнике.</a:t>
+            </a:r>
+            <a:endParaRPr lang="ru-RU" sz="3200" dirty="0"/>
+          </a:p>
+        </p:txBody>
+      </p:sp>
+      <p:sp>
+        <p:nvSpPr>
+          <p:cNvPr id="3" name="Rectangle 2"/>
+          <p:cNvSpPr/>
+          <p:nvPr/>
+        </p:nvSpPr>
+        <p:spPr>
+          <a:xfrm>
+            <a:off x="730250" y="3384588"/>
+            <a:ext cx="14471650" cy="1077218"/>
+          </a:xfrm>
+          <a:prstGeom prst="rect">
+            <a:avLst/>
+          </a:prstGeom>
+        </p:spPr>
+        <p:txBody>
+          <a:bodyPr wrap="square">
+            <a:spAutoFit/>
+          </a:bodyPr>
+          <a:lstStyle/>
+          <a:p>
+            <a:r>
+              <a:rPr lang="ru-RU" sz="3200" dirty="0"/>
+              <a:t>Начиная с версии языка 2.6 в стандартную библиотеку включается модуль </a:t>
+            </a:r>
+            <a:r>
+              <a:rPr lang="ru-RU" sz="3200" dirty="0" err="1"/>
+              <a:t>abc</a:t>
+            </a:r>
+            <a:r>
+              <a:rPr lang="ru-RU" sz="3200" dirty="0"/>
+              <a:t>, добавляющий в язык абстрактные базовые классы (далее АБК).</a:t>
+            </a:r>
+            <a:endParaRPr lang="ru-RU" sz="3200" dirty="0"/>
+          </a:p>
+        </p:txBody>
+      </p:sp>
+    </p:spTree>
+    <p:extLst>
+      <p:ext uri="{BB962C8B-B14F-4D97-AF65-F5344CB8AC3E}">
+        <p14:creationId xmlns:p14="http://schemas.microsoft.com/office/powerpoint/2010/main" val="450060219"/>
+      </p:ext>
+    </p:extLst>
+  </p:cSld>
+  <p:clrMapOvr>
+    <a:masterClrMapping/>
+  </p:clrMapOvr>
+  <p:timing>
+    <p:tnLst>
+      <p:par>
+        <p:cTn id="1" dur="indefinite" restart="never" nodeType="tmRoot">
+          <p:childTnLst>
+            <p:seq concurrent="1" nextAc="seek">
+              <p:cTn id="2" dur="indefinite" nodeType="mainSeq">
+                <p:childTnLst>
+                  <p:par>
+                    <p:cTn id="3" fill="hold">
+                      <p:stCondLst>
+                        <p:cond delay="indefinite"/>
+                      </p:stCondLst>
+                      <p:childTnLst>
+                        <p:par>
+                          <p:cTn id="4" fill="hold">
+                            <p:stCondLst>
+                              <p:cond delay="0"/>
+                            </p:stCondLst>
+                            <p:childTnLst>
+                              <p:par>
+                                <p:cTn id="5" presetID="1" presetClass="entr" presetSubtype="0" fill="hold" grpId="0" nodeType="clickEffect">
+                                  <p:stCondLst>
+                                    <p:cond delay="0"/>
+                                  </p:stCondLst>
+                                  <p:childTnLst>
+                                    <p:set>
+                                      <p:cBhvr>
+                                        <p:cTn id="6" dur="1" fill="hold">
+                                          <p:stCondLst>
+                                            <p:cond delay="0"/>
+                                          </p:stCondLst>
+                                        </p:cTn>
+                                        <p:tgtEl>
+                                          <p:spTgt spid="3"/>
+                                        </p:tgtEl>
+                                        <p:attrNameLst>
+                                          <p:attrName>style.visibility</p:attrName>
+                                        </p:attrNameLst>
+                                      </p:cBhvr>
+                                      <p:to>
+                                        <p:strVal val="visible"/>
+                                      </p:to>
+                                    </p:set>
+                                  </p:childTnLst>
+                                </p:cTn>
+                              </p:par>
+                            </p:childTnLst>
+                          </p:cTn>
+                        </p:par>
+                      </p:childTnLst>
+                    </p:cTn>
+                  </p:par>
+                  <p:par>
+                    <p:cTn id="7" fill="hold">
+                      <p:stCondLst>
+                        <p:cond delay="indefinite"/>
+                      </p:stCondLst>
+                      <p:childTnLst>
+                        <p:par>
+                          <p:cTn id="8" fill="hold">
+                            <p:stCondLst>
+                              <p:cond delay="0"/>
+                            </p:stCondLst>
+                            <p:childTnLst>
+                              <p:par>
+                                <p:cTn id="9" presetID="1" presetClass="entr" presetSubtype="0" fill="hold" grpId="0" nodeType="clickEffect">
+                                  <p:stCondLst>
+                                    <p:cond delay="0"/>
+                                  </p:stCondLst>
+                                  <p:childTnLst>
+                                    <p:set>
+                                      <p:cBhvr>
+                                        <p:cTn id="10" dur="1" fill="hold">
+                                          <p:stCondLst>
+                                            <p:cond delay="0"/>
+                                          </p:stCondLst>
+                                        </p:cTn>
+                                        <p:tgtEl>
+                                          <p:spTgt spid="2"/>
+                                        </p:tgtEl>
+                                        <p:attrNameLst>
+                                          <p:attrName>style.visibility</p:attrName>
+                                        </p:attrNameLst>
+                                      </p:cBhvr>
+                                      <p:to>
+                                        <p:strVal val="visible"/>
+                                      </p:to>
+                                    </p:set>
+                                  </p:childTnLst>
+                                </p:cTn>
+                              </p:par>
+                            </p:childTnLst>
+                          </p:cTn>
+                        </p:par>
+                      </p:childTnLst>
+                    </p:cTn>
+                  </p:par>
+                </p:childTnLst>
+              </p:cTn>
+              <p:prevCondLst>
+                <p:cond evt="onPrev" delay="0">
+                  <p:tgtEl>
+                    <p:sldTgt/>
+                  </p:tgtEl>
+                </p:cond>
+              </p:prevCondLst>
+              <p:nextCondLst>
+                <p:cond evt="onNext" delay="0">
+                  <p:tgtEl>
+                    <p:sldTgt/>
+                  </p:tgtEl>
+                </p:cond>
+              </p:nextCondLst>
+            </p:seq>
+          </p:childTnLst>
+        </p:cTn>
+      </p:par>
+    </p:tnLst>
+    <p:bldLst>
+      <p:bldP spid="2" grpId="0"/>
+      <p:bldP spid="3" grpId="0"/>
+    </p:bldLst>
+  </p:timing>
+</p:sld>
+</file>
+
 <file path=ppt/slides/slide2.xml><?xml version="1.0" encoding="utf-8"?>
 <p:sld xmlns:a="http://schemas.openxmlformats.org/drawingml/2006/main" xmlns:r="http://schemas.openxmlformats.org/officeDocument/2006/relationships" xmlns:p="http://schemas.openxmlformats.org/presentationml/2006/main">
   <p:cSld>
@@ -16909,7 +17346,6 @@
               <a:rPr lang="ru-RU" sz="2800" dirty="0" smtClean="0"/>
               <a:t>Для чего нужен деструктор класса?</a:t>
             </a:r>
-            <a:endParaRPr lang="ru-RU" sz="2800" dirty="0" smtClean="0"/>
           </a:p>
         </p:txBody>
       </p:sp>
@@ -18593,7 +19029,7 @@
                                         <p:tgtEl>
                                           <p:spTgt spid="215">
                                             <p:txEl>
-                                              <p:charRg st="154" end="189"/>
+                                              <p:pRg st="2" end="2"/>
                                             </p:txEl>
                                           </p:spTgt>
                                         </p:tgtEl>
@@ -18642,7 +19078,7 @@
                                         <p:tgtEl>
                                           <p:spTgt spid="215">
                                             <p:txEl>
-                                              <p:charRg st="190" end="221"/>
+                                              <p:pRg st="4" end="4"/>
                                             </p:txEl>
                                           </p:spTgt>
                                         </p:tgtEl>
@@ -18691,7 +19127,7 @@
                                         <p:tgtEl>
                                           <p:spTgt spid="215">
                                             <p:txEl>
-                                              <p:charRg st="222" end="288"/>
+                                              <p:pRg st="6" end="6"/>
                                             </p:txEl>
                                           </p:spTgt>
                                         </p:tgtEl>
@@ -18740,7 +19176,7 @@
                                         <p:tgtEl>
                                           <p:spTgt spid="215">
                                             <p:txEl>
-                                              <p:charRg st="288" end="343"/>
+                                              <p:pRg st="7" end="7"/>
                                             </p:txEl>
                                           </p:spTgt>
                                         </p:tgtEl>
@@ -18856,19 +19292,7 @@
                 <a:cs typeface="Cabin"/>
                 <a:sym typeface="Cabin"/>
               </a:rPr>
-              <a:t>Наследование </a:t>
-            </a:r>
-            <a:r>
-              <a:rPr lang="ru-RU" sz="7800" dirty="0" smtClean="0">
-                <a:solidFill>
-                  <a:srgbClr val="00FF00"/>
-                </a:solidFill>
-                <a:latin typeface="Cabin"/>
-                <a:ea typeface="Cabin"/>
-                <a:cs typeface="Cabin"/>
-                <a:sym typeface="Cabin"/>
-              </a:rPr>
-              <a:t>в </a:t>
+              <a:t>Наследование в </a:t>
             </a:r>
             <a:r>
               <a:rPr lang="en-US" sz="7800" dirty="0" smtClean="0">
@@ -19277,13 +19701,6 @@
               </a:rPr>
               <a:t>:</a:t>
             </a:r>
-            <a:endParaRPr lang="en-US" sz="3200" b="1" dirty="0" smtClean="0">
-              <a:solidFill>
-                <a:schemeClr val="tx2"/>
-              </a:solidFill>
-              <a:latin typeface="Courier New" pitchFamily="49" charset="0"/>
-              <a:cs typeface="Courier New" pitchFamily="49" charset="0"/>
-            </a:endParaRPr>
           </a:p>
           <a:p>
             <a:pPr marL="82296" indent="0">
@@ -20025,13 +20442,6 @@
               </a:rPr>
               <a:t>:</a:t>
             </a:r>
-            <a:endParaRPr lang="en-US" sz="3200" b="1" dirty="0" smtClean="0">
-              <a:solidFill>
-                <a:schemeClr val="tx2"/>
-              </a:solidFill>
-              <a:latin typeface="Courier New" pitchFamily="49" charset="0"/>
-              <a:cs typeface="Courier New" pitchFamily="49" charset="0"/>
-            </a:endParaRPr>
           </a:p>
           <a:p>
             <a:pPr marL="82296" indent="0">
@@ -20104,10 +20514,6 @@
               </a:rPr>
               <a:t>):</a:t>
             </a:r>
-            <a:endParaRPr lang="en-US" sz="3200" b="1" dirty="0" smtClean="0">
-              <a:latin typeface="Courier New" pitchFamily="49" charset="0"/>
-              <a:cs typeface="Courier New" pitchFamily="49" charset="0"/>
-            </a:endParaRPr>
           </a:p>
           <a:p>
             <a:pPr marL="82296" indent="0">
@@ -23851,10 +24257,6 @@
               </a:rPr>
               <a:t> </a:t>
             </a:r>
-            <a:endParaRPr lang="ru-RU" sz="3600" b="1" dirty="0" smtClean="0">
-              <a:latin typeface="Courier New" pitchFamily="49" charset="0"/>
-              <a:cs typeface="Courier New" pitchFamily="49" charset="0"/>
-            </a:endParaRPr>
           </a:p>
         </p:txBody>
       </p:sp>

--- a/week08/inheritance.pptx
+++ b/week08/inheritance.pptx
@@ -28,15 +28,15 @@
   <p:notesSz cx="6858000" cy="9144000"/>
   <p:embeddedFontLst>
     <p:embeddedFont>
-      <p:font typeface="Wingdings 2" panose="05020102010507070707" pitchFamily="18" charset="2"/>
+      <p:font typeface="Cabin" panose="020B0604020202020204" charset="0"/>
       <p:regular r:id="rId18"/>
+      <p:bold r:id="rId19"/>
+      <p:italic r:id="rId20"/>
+      <p:boldItalic r:id="rId21"/>
     </p:embeddedFont>
     <p:embeddedFont>
-      <p:font typeface="Cabin" panose="020B0604020202020204" charset="0"/>
-      <p:regular r:id="rId19"/>
-      <p:bold r:id="rId20"/>
-      <p:italic r:id="rId21"/>
-      <p:boldItalic r:id="rId22"/>
+      <p:font typeface="Wingdings 2" panose="05020102010507070707" pitchFamily="18" charset="2"/>
+      <p:regular r:id="rId22"/>
     </p:embeddedFont>
   </p:embeddedFontLst>
   <p:defaultTextStyle>
@@ -243,7 +243,7 @@
   </p:defaultTextStyle>
   <p:extLst>
     <p:ext uri="{EFAFB233-063F-42B5-8137-9DF3F51BA10A}">
-      <p15:sldGuideLst xmlns:p15="http://schemas.microsoft.com/office/powerpoint/2012/main" xmlns="">
+      <p15:sldGuideLst xmlns="" xmlns:p15="http://schemas.microsoft.com/office/powerpoint/2012/main">
         <p15:guide id="1" orient="horz" pos="2880">
           <p15:clr>
             <a:srgbClr val="A4A3A4"/>
@@ -12507,15 +12507,23 @@
                   <a:schemeClr val="tx1"/>
                 </a:solidFill>
               </a:rPr>
-              <a:t>Лекция 1</a:t>
-            </a:r>
-            <a:r>
-              <a:rPr lang="en-US" sz="3200" dirty="0" smtClean="0">
+              <a:t>Лекция </a:t>
+            </a:r>
+            <a:r>
+              <a:rPr lang="ru-RU" sz="3200" dirty="0" smtClean="0">
                 <a:solidFill>
                   <a:schemeClr val="tx1"/>
                 </a:solidFill>
               </a:rPr>
-              <a:t>3</a:t>
+              <a:t>1</a:t>
+            </a:r>
+            <a:r>
+              <a:rPr lang="en-US" sz="3200" smtClean="0">
+                <a:solidFill>
+                  <a:schemeClr val="tx1"/>
+                </a:solidFill>
+              </a:rPr>
+              <a:t>4</a:t>
             </a:r>
             <a:endParaRPr lang="ru-RU" sz="3200" dirty="0">
               <a:solidFill>
@@ -16883,7 +16891,6 @@
               <a:rPr lang="ru-RU" sz="3200" dirty="0"/>
               <a:t>, значит он является абстрактным базовым классом и его необходимо переопределить в классе-наследнике.</a:t>
             </a:r>
-            <a:endParaRPr lang="ru-RU" sz="3200" dirty="0"/>
           </a:p>
         </p:txBody>
       </p:sp>
@@ -16920,7 +16927,6 @@
               <a:rPr lang="ru-RU" sz="3200" dirty="0"/>
               <a:t>, добавляющий в язык абстрактные базовые классы (далее АБК).</a:t>
             </a:r>
-            <a:endParaRPr lang="ru-RU" sz="3200" dirty="0"/>
           </a:p>
         </p:txBody>
       </p:sp>
